--- a/nametag.pptx
+++ b/nametag.pptx
@@ -224,7 +224,7 @@
           <a:p>
             <a:fld id="{8EC2616C-06E9-49BB-A519-209A8D4F15AE}" type="datetimeFigureOut">
               <a:rPr lang="ko-KR" altLang="en-US" smtClean="0"/>
-              <a:t>2024-02-10</a:t>
+              <a:t>2024-02-11</a:t>
             </a:fld>
             <a:endParaRPr lang="ko-KR" altLang="en-US"/>
           </a:p>
@@ -320,6 +320,36 @@
 </file>
 
 <file path=ppt/slideLayouts/slideLayout1.xml><?xml version="1.0" encoding="utf-8"?>
+<p:sldLayout xmlns:a="http://schemas.openxmlformats.org/drawingml/2006/main" xmlns:r="http://schemas.openxmlformats.org/officeDocument/2006/relationships" xmlns:p="http://schemas.openxmlformats.org/presentationml/2006/main" preserve="1" userDrawn="1">
+  <p:cSld name="1_Sampel NameTag">
+    <p:spTree>
+      <p:nvGrpSpPr>
+        <p:cNvPr id="1" name=""/>
+        <p:cNvGrpSpPr/>
+        <p:nvPr/>
+      </p:nvGrpSpPr>
+      <p:grpSpPr>
+        <a:xfrm>
+          <a:off x="0" y="0"/>
+          <a:ext cx="0" cy="0"/>
+          <a:chOff x="0" y="0"/>
+          <a:chExt cx="0" cy="0"/>
+        </a:xfrm>
+      </p:grpSpPr>
+    </p:spTree>
+    <p:extLst>
+      <p:ext uri="{BB962C8B-B14F-4D97-AF65-F5344CB8AC3E}">
+        <p14:creationId xmlns:p14="http://schemas.microsoft.com/office/powerpoint/2010/main" val="3752988224"/>
+      </p:ext>
+    </p:extLst>
+  </p:cSld>
+  <p:clrMapOvr>
+    <a:masterClrMapping/>
+  </p:clrMapOvr>
+</p:sldLayout>
+</file>
+
+<file path=ppt/slideLayouts/slideLayout2.xml><?xml version="1.0" encoding="utf-8"?>
 <p:sldLayout xmlns:a="http://schemas.openxmlformats.org/drawingml/2006/main" xmlns:r="http://schemas.openxmlformats.org/officeDocument/2006/relationships" xmlns:p="http://schemas.openxmlformats.org/presentationml/2006/main" preserve="1" userDrawn="1">
   <p:cSld name="Sampel NameTag">
     <p:spTree>
@@ -415,7 +445,7 @@
 </p:sldLayout>
 </file>
 
-<file path=ppt/slideLayouts/slideLayout2.xml><?xml version="1.0" encoding="utf-8"?>
+<file path=ppt/slideLayouts/slideLayout3.xml><?xml version="1.0" encoding="utf-8"?>
 <p:sldLayout xmlns:a="http://schemas.openxmlformats.org/drawingml/2006/main" xmlns:r="http://schemas.openxmlformats.org/officeDocument/2006/relationships" xmlns:p="http://schemas.openxmlformats.org/presentationml/2006/main" preserve="1" userDrawn="1">
   <p:cSld name="2_콘텐츠 2개">
     <p:spTree>
@@ -717,7 +747,7 @@
           <a:p>
             <a:fld id="{17A1B1BA-F0E4-4197-9299-0B2B9E3620EE}" type="datetimeFigureOut">
               <a:rPr lang="ko-KR" altLang="en-US" smtClean="0"/>
-              <a:t>2024-02-10</a:t>
+              <a:t>2024-02-11</a:t>
             </a:fld>
             <a:endParaRPr lang="ko-KR" altLang="en-US"/>
           </a:p>
@@ -810,8 +840,9 @@
   </p:cSld>
   <p:clrMap bg1="lt1" tx1="dk1" bg2="lt2" tx2="dk2" accent1="accent1" accent2="accent2" accent3="accent3" accent4="accent4" accent5="accent5" accent6="accent6" hlink="hlink" folHlink="folHlink"/>
   <p:sldLayoutIdLst>
-    <p:sldLayoutId id="2147483674" r:id="rId1"/>
-    <p:sldLayoutId id="2147483673" r:id="rId2"/>
+    <p:sldLayoutId id="2147483675" r:id="rId1"/>
+    <p:sldLayoutId id="2147483674" r:id="rId2"/>
+    <p:sldLayoutId id="2147483673" r:id="rId3"/>
   </p:sldLayoutIdLst>
   <p:txStyles>
     <p:titleStyle>
